--- a/vhdl/RGB2Gray/Algorithm_RGB2Gray.pptx
+++ b/vhdl/RGB2Gray/Algorithm_RGB2Gray.pptx
@@ -3133,12 +3133,47 @@
             </p:nvSpPr>
             <p:spPr/>
             <p:txBody>
-              <a:bodyPr/>
+              <a:bodyPr>
+                <a:normAutofit fontScale="92500" lnSpcReduction="10000"/>
+              </a:bodyPr>
               <a:lstStyle/>
               <a:p>
                 <a:r>
                   <a:rPr lang="en-US" dirty="0" smtClean="0"/>
-                  <a:t>Algorithm: </a:t>
+                  <a:t>Input</a:t>
+                </a:r>
+                <a:r>
+                  <a:rPr lang="en-US" sz="2200" dirty="0" smtClean="0"/>
+                  <a:t>: </a:t>
+                </a:r>
+                <a:r>
+                  <a:rPr lang="en-US" sz="1600" dirty="0" smtClean="0"/>
+                  <a:t>RGB:Data1, Data2, Data3: 8 bit</a:t>
+                </a:r>
+              </a:p>
+              <a:p>
+                <a:r>
+                  <a:rPr lang="en-US" dirty="0" smtClean="0"/>
+                  <a:t>Output: </a:t>
+                </a:r>
+                <a:r>
+                  <a:rPr lang="en-US" sz="1600" dirty="0" smtClean="0"/>
+                  <a:t>Gray: </a:t>
+                </a:r>
+                <a:r>
+                  <a:rPr lang="en-US" sz="1600" dirty="0" err="1" smtClean="0"/>
+                  <a:t>Dataout</a:t>
+                </a:r>
+                <a:endParaRPr lang="en-US" sz="1600" dirty="0"/>
+              </a:p>
+              <a:p>
+                <a:r>
+                  <a:rPr lang="en-US" dirty="0" smtClean="0"/>
+                  <a:t>Algorithm</a:t>
+                </a:r>
+                <a:r>
+                  <a:rPr lang="en-US" dirty="0" smtClean="0"/>
+                  <a:t>: </a:t>
                 </a:r>
               </a:p>
               <a:p>
@@ -3250,14 +3285,10 @@
                       <m:t>) </m:t>
                     </m:r>
                     <m:r>
-                      <a:rPr lang="en-US" sz="1600" b="0" i="1" dirty="0" smtClean="0"/>
-                      <m:t>≫</m:t>
-                    </m:r>
-                    <m:r>
                       <a:rPr lang="en-US" sz="1600" b="0" i="1" dirty="0" smtClean="0">
                         <a:latin typeface="Cambria Math"/>
                       </a:rPr>
-                      <m:t>16</m:t>
+                      <m:t>≫16</m:t>
                     </m:r>
                   </m:oMath>
                 </a14:m>
@@ -3404,27 +3435,39 @@
                 <a14:m>
                   <m:oMath xmlns:m="http://schemas.openxmlformats.org/officeDocument/2006/math">
                     <m:r>
-                      <a:rPr lang="en-US" sz="1600" i="1"/>
+                      <a:rPr lang="en-US" sz="1600" i="1">
+                        <a:latin typeface="Cambria Math"/>
+                      </a:rPr>
                       <m:t>⇒</m:t>
                     </m:r>
                     <m:r>
-                      <a:rPr lang="en-US" sz="1600" i="1"/>
+                      <a:rPr lang="en-US" sz="1600" i="1">
+                        <a:latin typeface="Cambria Math"/>
+                      </a:rPr>
                       <m:t>𝐷𝑎𝑡𝑎</m:t>
                     </m:r>
                     <m:r>
-                      <a:rPr lang="en-US" sz="1600" i="1"/>
+                      <a:rPr lang="en-US" sz="1600" i="1">
+                        <a:latin typeface="Cambria Math"/>
+                      </a:rPr>
                       <m:t>1∗</m:t>
                     </m:r>
                     <m:r>
-                      <a:rPr lang="en-US" sz="1600" i="1"/>
+                      <a:rPr lang="en-US" sz="1600" i="1">
+                        <a:latin typeface="Cambria Math"/>
+                      </a:rPr>
                       <m:t>𝑌𝑅</m:t>
                     </m:r>
                     <m:r>
-                      <a:rPr lang="en-US" sz="1600" i="1"/>
+                      <a:rPr lang="en-US" sz="1600" i="1">
+                        <a:latin typeface="Cambria Math"/>
+                      </a:rPr>
                       <m:t>=</m:t>
                     </m:r>
                     <m:r>
-                      <a:rPr lang="it-IT" sz="1600" i="1" smtClean="0"/>
+                      <a:rPr lang="it-IT" sz="1600" i="1" smtClean="0">
+                        <a:latin typeface="Cambria Math"/>
+                      </a:rPr>
                       <m:t>𝐷𝑎𝑡𝑎</m:t>
                     </m:r>
                     <m:r>
@@ -3434,11 +3477,15 @@
                       <m:t>1</m:t>
                     </m:r>
                     <m:r>
-                      <a:rPr lang="it-IT" sz="1600" i="1" smtClean="0"/>
+                      <a:rPr lang="it-IT" sz="1600" i="1" smtClean="0">
+                        <a:latin typeface="Cambria Math"/>
+                      </a:rPr>
                       <m:t>&lt;&lt;14 + </m:t>
                     </m:r>
                     <m:r>
-                      <a:rPr lang="it-IT" sz="1600" i="1" smtClean="0"/>
+                      <a:rPr lang="it-IT" sz="1600" i="1" smtClean="0">
+                        <a:latin typeface="Cambria Math"/>
+                      </a:rPr>
                       <m:t>𝐷𝑎𝑡𝑎</m:t>
                     </m:r>
                     <m:r>
@@ -3448,11 +3495,15 @@
                       <m:t>1</m:t>
                     </m:r>
                     <m:r>
-                      <a:rPr lang="it-IT" sz="1600" i="1" smtClean="0"/>
+                      <a:rPr lang="it-IT" sz="1600" i="1" smtClean="0">
+                        <a:latin typeface="Cambria Math"/>
+                      </a:rPr>
                       <m:t>&lt;&lt;11 + </m:t>
                     </m:r>
                     <m:r>
-                      <a:rPr lang="it-IT" sz="1600" i="1" smtClean="0"/>
+                      <a:rPr lang="it-IT" sz="1600" i="1" smtClean="0">
+                        <a:latin typeface="Cambria Math"/>
+                      </a:rPr>
                       <m:t>𝐷𝑎𝑡𝑎</m:t>
                     </m:r>
                     <m:r>
@@ -3462,11 +3513,15 @@
                       <m:t>1</m:t>
                     </m:r>
                     <m:r>
-                      <a:rPr lang="it-IT" sz="1600" i="1" smtClean="0"/>
+                      <a:rPr lang="it-IT" sz="1600" i="1" smtClean="0">
+                        <a:latin typeface="Cambria Math"/>
+                      </a:rPr>
                       <m:t>&lt;&lt;10 + </m:t>
                     </m:r>
                     <m:r>
-                      <a:rPr lang="it-IT" sz="1600" i="1" smtClean="0"/>
+                      <a:rPr lang="it-IT" sz="1600" i="1" smtClean="0">
+                        <a:latin typeface="Cambria Math"/>
+                      </a:rPr>
                       <m:t>𝐷𝑎𝑡𝑎</m:t>
                     </m:r>
                     <m:r>
@@ -3476,11 +3531,15 @@
                       <m:t>1</m:t>
                     </m:r>
                     <m:r>
-                      <a:rPr lang="it-IT" sz="1600" i="1" smtClean="0"/>
+                      <a:rPr lang="it-IT" sz="1600" i="1" smtClean="0">
+                        <a:latin typeface="Cambria Math"/>
+                      </a:rPr>
                       <m:t>&lt;&lt;7 + </m:t>
                     </m:r>
                     <m:r>
-                      <a:rPr lang="it-IT" sz="1600" i="1" smtClean="0"/>
+                      <a:rPr lang="it-IT" sz="1600" i="1" smtClean="0">
+                        <a:latin typeface="Cambria Math"/>
+                      </a:rPr>
                       <m:t>𝐷𝑎𝑡𝑎</m:t>
                     </m:r>
                     <m:r>
@@ -3490,11 +3549,15 @@
                       <m:t>1</m:t>
                     </m:r>
                     <m:r>
-                      <a:rPr lang="it-IT" sz="1600" i="1" smtClean="0"/>
+                      <a:rPr lang="it-IT" sz="1600" i="1" smtClean="0">
+                        <a:latin typeface="Cambria Math"/>
+                      </a:rPr>
                       <m:t>&lt;&lt;3 + </m:t>
                     </m:r>
                     <m:r>
-                      <a:rPr lang="it-IT" sz="1600" i="1" smtClean="0"/>
+                      <a:rPr lang="it-IT" sz="1600" i="1" smtClean="0">
+                        <a:latin typeface="Cambria Math"/>
+                      </a:rPr>
                       <m:t>𝐷𝑎𝑡𝑎</m:t>
                     </m:r>
                     <m:r>
@@ -3504,11 +3567,15 @@
                       <m:t>1</m:t>
                     </m:r>
                     <m:r>
-                      <a:rPr lang="it-IT" sz="1600" i="1" smtClean="0"/>
+                      <a:rPr lang="it-IT" sz="1600" i="1" smtClean="0">
+                        <a:latin typeface="Cambria Math"/>
+                      </a:rPr>
                       <m:t>&lt;&lt;1 + </m:t>
                     </m:r>
                     <m:r>
-                      <a:rPr lang="it-IT" sz="1600" i="1" smtClean="0"/>
+                      <a:rPr lang="it-IT" sz="1600" i="1" smtClean="0">
+                        <a:latin typeface="Cambria Math"/>
+                      </a:rPr>
                       <m:t>𝐷𝑎𝑡𝑎</m:t>
                     </m:r>
                     <m:r>
@@ -3518,7 +3585,9 @@
                       <m:t>1</m:t>
                     </m:r>
                     <m:r>
-                      <a:rPr lang="it-IT" sz="1600" i="1" smtClean="0"/>
+                      <a:rPr lang="it-IT" sz="1600" i="1" smtClean="0">
+                        <a:latin typeface="Cambria Math"/>
+                      </a:rPr>
                       <m:t>;</m:t>
                     </m:r>
                   </m:oMath>
@@ -3546,7 +3615,7 @@
               <a:blipFill rotWithShape="1">
                 <a:blip r:embed="rId2"/>
                 <a:stretch>
-                  <a:fillRect l="-1630" t="-1752"/>
+                  <a:fillRect l="-1481" t="-2695"/>
                 </a:stretch>
               </a:blipFill>
             </p:spPr>

--- a/vhdl/RGB2Gray/Algorithm_RGB2Gray.pptx
+++ b/vhdl/RGB2Gray/Algorithm_RGB2Gray.pptx
@@ -289,7 +289,7 @@
           <a:p>
             <a:fld id="{C1920AEF-3003-4131-806A-9BE05ED8CB7F}" type="datetimeFigureOut">
               <a:rPr lang="en-US" smtClean="0"/>
-              <a:t>2/27/2017</a:t>
+              <a:t>3/20/2017</a:t>
             </a:fld>
             <a:endParaRPr lang="en-US"/>
           </a:p>
@@ -459,7 +459,7 @@
           <a:p>
             <a:fld id="{C1920AEF-3003-4131-806A-9BE05ED8CB7F}" type="datetimeFigureOut">
               <a:rPr lang="en-US" smtClean="0"/>
-              <a:t>2/27/2017</a:t>
+              <a:t>3/20/2017</a:t>
             </a:fld>
             <a:endParaRPr lang="en-US"/>
           </a:p>
@@ -639,7 +639,7 @@
           <a:p>
             <a:fld id="{C1920AEF-3003-4131-806A-9BE05ED8CB7F}" type="datetimeFigureOut">
               <a:rPr lang="en-US" smtClean="0"/>
-              <a:t>2/27/2017</a:t>
+              <a:t>3/20/2017</a:t>
             </a:fld>
             <a:endParaRPr lang="en-US"/>
           </a:p>
@@ -809,7 +809,7 @@
           <a:p>
             <a:fld id="{C1920AEF-3003-4131-806A-9BE05ED8CB7F}" type="datetimeFigureOut">
               <a:rPr lang="en-US" smtClean="0"/>
-              <a:t>2/27/2017</a:t>
+              <a:t>3/20/2017</a:t>
             </a:fld>
             <a:endParaRPr lang="en-US"/>
           </a:p>
@@ -1055,7 +1055,7 @@
           <a:p>
             <a:fld id="{C1920AEF-3003-4131-806A-9BE05ED8CB7F}" type="datetimeFigureOut">
               <a:rPr lang="en-US" smtClean="0"/>
-              <a:t>2/27/2017</a:t>
+              <a:t>3/20/2017</a:t>
             </a:fld>
             <a:endParaRPr lang="en-US"/>
           </a:p>
@@ -1343,7 +1343,7 @@
           <a:p>
             <a:fld id="{C1920AEF-3003-4131-806A-9BE05ED8CB7F}" type="datetimeFigureOut">
               <a:rPr lang="en-US" smtClean="0"/>
-              <a:t>2/27/2017</a:t>
+              <a:t>3/20/2017</a:t>
             </a:fld>
             <a:endParaRPr lang="en-US"/>
           </a:p>
@@ -1765,7 +1765,7 @@
           <a:p>
             <a:fld id="{C1920AEF-3003-4131-806A-9BE05ED8CB7F}" type="datetimeFigureOut">
               <a:rPr lang="en-US" smtClean="0"/>
-              <a:t>2/27/2017</a:t>
+              <a:t>3/20/2017</a:t>
             </a:fld>
             <a:endParaRPr lang="en-US"/>
           </a:p>
@@ -1883,7 +1883,7 @@
           <a:p>
             <a:fld id="{C1920AEF-3003-4131-806A-9BE05ED8CB7F}" type="datetimeFigureOut">
               <a:rPr lang="en-US" smtClean="0"/>
-              <a:t>2/27/2017</a:t>
+              <a:t>3/20/2017</a:t>
             </a:fld>
             <a:endParaRPr lang="en-US"/>
           </a:p>
@@ -1978,7 +1978,7 @@
           <a:p>
             <a:fld id="{C1920AEF-3003-4131-806A-9BE05ED8CB7F}" type="datetimeFigureOut">
               <a:rPr lang="en-US" smtClean="0"/>
-              <a:t>2/27/2017</a:t>
+              <a:t>3/20/2017</a:t>
             </a:fld>
             <a:endParaRPr lang="en-US"/>
           </a:p>
@@ -2255,7 +2255,7 @@
           <a:p>
             <a:fld id="{C1920AEF-3003-4131-806A-9BE05ED8CB7F}" type="datetimeFigureOut">
               <a:rPr lang="en-US" smtClean="0"/>
-              <a:t>2/27/2017</a:t>
+              <a:t>3/20/2017</a:t>
             </a:fld>
             <a:endParaRPr lang="en-US"/>
           </a:p>
@@ -2508,7 +2508,7 @@
           <a:p>
             <a:fld id="{C1920AEF-3003-4131-806A-9BE05ED8CB7F}" type="datetimeFigureOut">
               <a:rPr lang="en-US" smtClean="0"/>
-              <a:t>2/27/2017</a:t>
+              <a:t>3/20/2017</a:t>
             </a:fld>
             <a:endParaRPr lang="en-US"/>
           </a:p>
@@ -2721,7 +2721,7 @@
           <a:p>
             <a:fld id="{C1920AEF-3003-4131-806A-9BE05ED8CB7F}" type="datetimeFigureOut">
               <a:rPr lang="en-US" smtClean="0"/>
-              <a:t>2/27/2017</a:t>
+              <a:t>3/20/2017</a:t>
             </a:fld>
             <a:endParaRPr lang="en-US"/>
           </a:p>
@@ -3119,8 +3119,8 @@
           </a:p>
         </p:txBody>
       </p:sp>
-      <mc:AlternateContent xmlns:mc="http://schemas.openxmlformats.org/markup-compatibility/2006">
-        <mc:Choice xmlns:a14="http://schemas.microsoft.com/office/drawing/2010/main" Requires="a14">
+      <mc:AlternateContent xmlns:mc="http://schemas.openxmlformats.org/markup-compatibility/2006" xmlns:a14="http://schemas.microsoft.com/office/drawing/2010/main">
+        <mc:Choice Requires="a14">
           <p:sp>
             <p:nvSpPr>
               <p:cNvPr id="3" name="Content Placeholder 2"/>
@@ -3169,11 +3169,7 @@
               <a:p>
                 <a:r>
                   <a:rPr lang="en-US" dirty="0" smtClean="0"/>
-                  <a:t>Algorithm</a:t>
-                </a:r>
-                <a:r>
-                  <a:rPr lang="en-US" dirty="0" smtClean="0"/>
-                  <a:t>: </a:t>
+                  <a:t>Algorithm: </a:t>
                 </a:r>
               </a:p>
               <a:p>
@@ -3600,7 +3596,7 @@
             </p:txBody>
           </p:sp>
         </mc:Choice>
-        <mc:Fallback>
+        <mc:Fallback xmlns="">
           <p:sp>
             <p:nvSpPr>
               <p:cNvPr id="3" name="Content Placeholder 2"/>
